--- a/EECE5554_Final_Project.pptx
+++ b/EECE5554_Final_Project.pptx
@@ -5,7 +5,7 @@
     <p:sldMasterId id="2147483661" r:id="rId1"/>
   </p:sldMasterIdLst>
   <p:notesMasterIdLst>
-    <p:notesMasterId r:id="rId16"/>
+    <p:notesMasterId r:id="rId18"/>
   </p:notesMasterIdLst>
   <p:sldIdLst>
     <p:sldId id="266" r:id="rId2"/>
@@ -15,13 +15,15 @@
     <p:sldId id="289" r:id="rId6"/>
     <p:sldId id="290" r:id="rId7"/>
     <p:sldId id="297" r:id="rId8"/>
-    <p:sldId id="298" r:id="rId9"/>
-    <p:sldId id="291" r:id="rId10"/>
-    <p:sldId id="292" r:id="rId11"/>
-    <p:sldId id="293" r:id="rId12"/>
-    <p:sldId id="294" r:id="rId13"/>
-    <p:sldId id="283" r:id="rId14"/>
-    <p:sldId id="295" r:id="rId15"/>
+    <p:sldId id="300" r:id="rId9"/>
+    <p:sldId id="298" r:id="rId10"/>
+    <p:sldId id="299" r:id="rId11"/>
+    <p:sldId id="292" r:id="rId12"/>
+    <p:sldId id="293" r:id="rId13"/>
+    <p:sldId id="291" r:id="rId14"/>
+    <p:sldId id="294" r:id="rId15"/>
+    <p:sldId id="283" r:id="rId16"/>
+    <p:sldId id="295" r:id="rId17"/>
   </p:sldIdLst>
   <p:sldSz cx="9144000" cy="6858000" type="screen4x3"/>
   <p:notesSz cx="6858000" cy="9144000"/>
@@ -873,6 +875,14 @@
           <a:bodyPr/>
           <a:lstStyle/>
           <a:p>
+            <a:r>
+              <a:rPr lang="en-US" dirty="0"/>
+              <a:t>In </a:t>
+            </a:r>
+            <a:r>
+              <a:rPr lang="en-US" dirty="0" err="1"/>
+              <a:t>R^n</a:t>
+            </a:r>
             <a:endParaRPr lang="en-US" dirty="0"/>
           </a:p>
         </p:txBody>
@@ -904,6 +914,188 @@
     <p:extLst>
       <p:ext uri="{BB962C8B-B14F-4D97-AF65-F5344CB8AC3E}">
         <p14:creationId xmlns:p14="http://schemas.microsoft.com/office/powerpoint/2010/main" val="2622020979"/>
+      </p:ext>
+    </p:extLst>
+  </p:cSld>
+  <p:clrMapOvr>
+    <a:masterClrMapping/>
+  </p:clrMapOvr>
+</p:notes>
+</file>
+
+<file path=ppt/notesSlides/notesSlide5.xml><?xml version="1.0" encoding="utf-8"?>
+<p:notes xmlns:a="http://schemas.openxmlformats.org/drawingml/2006/main" xmlns:r="http://schemas.openxmlformats.org/officeDocument/2006/relationships" xmlns:p="http://schemas.openxmlformats.org/presentationml/2006/main">
+  <p:cSld>
+    <p:spTree>
+      <p:nvGrpSpPr>
+        <p:cNvPr id="1" name=""/>
+        <p:cNvGrpSpPr/>
+        <p:nvPr/>
+      </p:nvGrpSpPr>
+      <p:grpSpPr>
+        <a:xfrm>
+          <a:off x="0" y="0"/>
+          <a:ext cx="0" cy="0"/>
+          <a:chOff x="0" y="0"/>
+          <a:chExt cx="0" cy="0"/>
+        </a:xfrm>
+      </p:grpSpPr>
+      <p:sp>
+        <p:nvSpPr>
+          <p:cNvPr id="2" name="Slide Image Placeholder 1"/>
+          <p:cNvSpPr>
+            <a:spLocks noGrp="1" noRot="1" noChangeAspect="1"/>
+          </p:cNvSpPr>
+          <p:nvPr>
+            <p:ph type="sldImg"/>
+          </p:nvPr>
+        </p:nvSpPr>
+        <p:spPr/>
+      </p:sp>
+      <p:sp>
+        <p:nvSpPr>
+          <p:cNvPr id="3" name="Notes Placeholder 2"/>
+          <p:cNvSpPr>
+            <a:spLocks noGrp="1"/>
+          </p:cNvSpPr>
+          <p:nvPr>
+            <p:ph type="body" idx="1"/>
+          </p:nvPr>
+        </p:nvSpPr>
+        <p:spPr/>
+        <p:txBody>
+          <a:bodyPr/>
+          <a:lstStyle/>
+          <a:p>
+            <a:r>
+              <a:rPr lang="en-US" dirty="0"/>
+              <a:t>Slide for reference while developing only</a:t>
+            </a:r>
+          </a:p>
+        </p:txBody>
+      </p:sp>
+      <p:sp>
+        <p:nvSpPr>
+          <p:cNvPr id="4" name="Slide Number Placeholder 3"/>
+          <p:cNvSpPr>
+            <a:spLocks noGrp="1"/>
+          </p:cNvSpPr>
+          <p:nvPr>
+            <p:ph type="sldNum" sz="quarter" idx="5"/>
+          </p:nvPr>
+        </p:nvSpPr>
+        <p:spPr/>
+        <p:txBody>
+          <a:bodyPr/>
+          <a:lstStyle/>
+          <a:p>
+            <a:fld id="{103D3F82-566A-6B45-B3F8-F4D88BD077DC}" type="slidenum">
+              <a:rPr lang="en-US" smtClean="0"/>
+              <a:t>5</a:t>
+            </a:fld>
+            <a:endParaRPr lang="en-US"/>
+          </a:p>
+        </p:txBody>
+      </p:sp>
+    </p:spTree>
+    <p:extLst>
+      <p:ext uri="{BB962C8B-B14F-4D97-AF65-F5344CB8AC3E}">
+        <p14:creationId xmlns:p14="http://schemas.microsoft.com/office/powerpoint/2010/main" val="1738813574"/>
+      </p:ext>
+    </p:extLst>
+  </p:cSld>
+  <p:clrMapOvr>
+    <a:masterClrMapping/>
+  </p:clrMapOvr>
+</p:notes>
+</file>
+
+<file path=ppt/notesSlides/notesSlide6.xml><?xml version="1.0" encoding="utf-8"?>
+<p:notes xmlns:a="http://schemas.openxmlformats.org/drawingml/2006/main" xmlns:r="http://schemas.openxmlformats.org/officeDocument/2006/relationships" xmlns:p="http://schemas.openxmlformats.org/presentationml/2006/main">
+  <p:cSld>
+    <p:spTree>
+      <p:nvGrpSpPr>
+        <p:cNvPr id="1" name=""/>
+        <p:cNvGrpSpPr/>
+        <p:nvPr/>
+      </p:nvGrpSpPr>
+      <p:grpSpPr>
+        <a:xfrm>
+          <a:off x="0" y="0"/>
+          <a:ext cx="0" cy="0"/>
+          <a:chOff x="0" y="0"/>
+          <a:chExt cx="0" cy="0"/>
+        </a:xfrm>
+      </p:grpSpPr>
+      <p:sp>
+        <p:nvSpPr>
+          <p:cNvPr id="2" name="Slide Image Placeholder 1"/>
+          <p:cNvSpPr>
+            <a:spLocks noGrp="1" noRot="1" noChangeAspect="1"/>
+          </p:cNvSpPr>
+          <p:nvPr>
+            <p:ph type="sldImg"/>
+          </p:nvPr>
+        </p:nvSpPr>
+        <p:spPr/>
+      </p:sp>
+      <p:sp>
+        <p:nvSpPr>
+          <p:cNvPr id="3" name="Notes Placeholder 2"/>
+          <p:cNvSpPr>
+            <a:spLocks noGrp="1"/>
+          </p:cNvSpPr>
+          <p:nvPr>
+            <p:ph type="body" idx="1"/>
+          </p:nvPr>
+        </p:nvSpPr>
+        <p:spPr/>
+        <p:txBody>
+          <a:bodyPr/>
+          <a:lstStyle/>
+          <a:p>
+            <a:r>
+              <a:rPr lang="en-US" dirty="0"/>
+              <a:t>Choices for input invariance: Sort list (doesn’t scale and bad with </a:t>
+            </a:r>
+            <a:r>
+              <a:rPr lang="en-US" dirty="0" err="1"/>
+              <a:t>pertubations</a:t>
+            </a:r>
+            <a:r>
+              <a:rPr lang="en-US" dirty="0"/>
+              <a:t>), Use RNN (doesn’t scale)</a:t>
+            </a:r>
+          </a:p>
+        </p:txBody>
+      </p:sp>
+      <p:sp>
+        <p:nvSpPr>
+          <p:cNvPr id="4" name="Slide Number Placeholder 3"/>
+          <p:cNvSpPr>
+            <a:spLocks noGrp="1"/>
+          </p:cNvSpPr>
+          <p:nvPr>
+            <p:ph type="sldNum" sz="quarter" idx="5"/>
+          </p:nvPr>
+        </p:nvSpPr>
+        <p:spPr/>
+        <p:txBody>
+          <a:bodyPr/>
+          <a:lstStyle/>
+          <a:p>
+            <a:fld id="{103D3F82-566A-6B45-B3F8-F4D88BD077DC}" type="slidenum">
+              <a:rPr lang="en-US" smtClean="0"/>
+              <a:t>8</a:t>
+            </a:fld>
+            <a:endParaRPr lang="en-US"/>
+          </a:p>
+        </p:txBody>
+      </p:sp>
+    </p:spTree>
+    <p:extLst>
+      <p:ext uri="{BB962C8B-B14F-4D97-AF65-F5344CB8AC3E}">
+        <p14:creationId xmlns:p14="http://schemas.microsoft.com/office/powerpoint/2010/main" val="3703803557"/>
       </p:ext>
     </p:extLst>
   </p:cSld>
@@ -4751,7 +4943,7 @@
           <p:cNvPr id="2" name="Content Placeholder 1">
             <a:extLst>
               <a:ext uri="{FF2B5EF4-FFF2-40B4-BE49-F238E27FC236}">
-                <a16:creationId xmlns:a16="http://schemas.microsoft.com/office/drawing/2014/main" id="{3E75831E-1C6B-3542-A8E6-38E9FF024F86}"/>
+                <a16:creationId xmlns:a16="http://schemas.microsoft.com/office/drawing/2014/main" id="{29B15DEB-18A4-4F4D-9A65-E47EF883A455}"/>
               </a:ext>
             </a:extLst>
           </p:cNvPr>
@@ -4767,6 +4959,9 @@
           <a:bodyPr/>
           <a:lstStyle/>
           <a:p>
+            <a:pPr marL="0" indent="0">
+              <a:buNone/>
+            </a:pPr>
             <a:endParaRPr lang="en-US" sz="2400" dirty="0"/>
           </a:p>
         </p:txBody>
@@ -4776,7 +4971,7 @@
           <p:cNvPr id="3" name="Title 2">
             <a:extLst>
               <a:ext uri="{FF2B5EF4-FFF2-40B4-BE49-F238E27FC236}">
-                <a16:creationId xmlns:a16="http://schemas.microsoft.com/office/drawing/2014/main" id="{A292247C-C23C-464A-91BD-372A608AE8EF}"/>
+                <a16:creationId xmlns:a16="http://schemas.microsoft.com/office/drawing/2014/main" id="{4713BE45-F1C0-2B44-AA23-C74405770690}"/>
               </a:ext>
             </a:extLst>
           </p:cNvPr>
@@ -4794,7 +4989,7 @@
           <a:p>
             <a:r>
               <a:rPr lang="en-US" dirty="0"/>
-              <a:t>Results</a:t>
+              <a:t>Our Dataset</a:t>
             </a:r>
           </a:p>
         </p:txBody>
@@ -4802,7 +4997,7 @@
     </p:spTree>
     <p:extLst>
       <p:ext uri="{BB962C8B-B14F-4D97-AF65-F5344CB8AC3E}">
-        <p14:creationId xmlns:p14="http://schemas.microsoft.com/office/powerpoint/2010/main" val="3406156963"/>
+        <p14:creationId xmlns:p14="http://schemas.microsoft.com/office/powerpoint/2010/main" val="1375463578"/>
       </p:ext>
     </p:extLst>
   </p:cSld>
@@ -4834,7 +5029,7 @@
           <p:cNvPr id="2" name="Content Placeholder 1">
             <a:extLst>
               <a:ext uri="{FF2B5EF4-FFF2-40B4-BE49-F238E27FC236}">
-                <a16:creationId xmlns:a16="http://schemas.microsoft.com/office/drawing/2014/main" id="{38565ABD-7C47-8845-8A91-83627BE1F103}"/>
+                <a16:creationId xmlns:a16="http://schemas.microsoft.com/office/drawing/2014/main" id="{3E75831E-1C6B-3542-A8E6-38E9FF024F86}"/>
               </a:ext>
             </a:extLst>
           </p:cNvPr>
@@ -4851,10 +5046,21 @@
           <a:lstStyle/>
           <a:p>
             <a:r>
-              <a:rPr lang="en-US" sz="2400" dirty="0" err="1"/>
-              <a:t>asdf</a:t>
-            </a:r>
-            <a:endParaRPr lang="en-US" sz="2400" dirty="0"/>
+              <a:rPr lang="en-US" sz="2400" dirty="0"/>
+              <a:t>Accuracy compared to baseline</a:t>
+            </a:r>
+          </a:p>
+          <a:p>
+            <a:r>
+              <a:rPr lang="en-US" sz="2400" dirty="0"/>
+              <a:t>Training times</a:t>
+            </a:r>
+          </a:p>
+          <a:p>
+            <a:r>
+              <a:rPr lang="en-US" sz="2400" dirty="0"/>
+              <a:t>Picture of results and tables</a:t>
+            </a:r>
           </a:p>
         </p:txBody>
       </p:sp>
@@ -4863,7 +5069,7 @@
           <p:cNvPr id="3" name="Title 2">
             <a:extLst>
               <a:ext uri="{FF2B5EF4-FFF2-40B4-BE49-F238E27FC236}">
-                <a16:creationId xmlns:a16="http://schemas.microsoft.com/office/drawing/2014/main" id="{3FBCADA3-B0FF-FB4A-AE2B-06CE1F5F13E3}"/>
+                <a16:creationId xmlns:a16="http://schemas.microsoft.com/office/drawing/2014/main" id="{A292247C-C23C-464A-91BD-372A608AE8EF}"/>
               </a:ext>
             </a:extLst>
           </p:cNvPr>
@@ -4881,7 +5087,7 @@
           <a:p>
             <a:r>
               <a:rPr lang="en-US" dirty="0"/>
-              <a:t>Differences and Improvements</a:t>
+              <a:t>Results</a:t>
             </a:r>
           </a:p>
         </p:txBody>
@@ -4889,7 +5095,7 @@
     </p:spTree>
     <p:extLst>
       <p:ext uri="{BB962C8B-B14F-4D97-AF65-F5344CB8AC3E}">
-        <p14:creationId xmlns:p14="http://schemas.microsoft.com/office/powerpoint/2010/main" val="4081342684"/>
+        <p14:creationId xmlns:p14="http://schemas.microsoft.com/office/powerpoint/2010/main" val="3406156963"/>
       </p:ext>
     </p:extLst>
   </p:cSld>
@@ -4921,7 +5127,7 @@
           <p:cNvPr id="2" name="Content Placeholder 1">
             <a:extLst>
               <a:ext uri="{FF2B5EF4-FFF2-40B4-BE49-F238E27FC236}">
-                <a16:creationId xmlns:a16="http://schemas.microsoft.com/office/drawing/2014/main" id="{74E56B35-0E75-194D-BF65-A1437CE1017B}"/>
+                <a16:creationId xmlns:a16="http://schemas.microsoft.com/office/drawing/2014/main" id="{38565ABD-7C47-8845-8A91-83627BE1F103}"/>
               </a:ext>
             </a:extLst>
           </p:cNvPr>
@@ -4950,7 +5156,7 @@
           <p:cNvPr id="3" name="Title 2">
             <a:extLst>
               <a:ext uri="{FF2B5EF4-FFF2-40B4-BE49-F238E27FC236}">
-                <a16:creationId xmlns:a16="http://schemas.microsoft.com/office/drawing/2014/main" id="{02F071BF-C260-494A-B76E-5BD9CB735BD7}"/>
+                <a16:creationId xmlns:a16="http://schemas.microsoft.com/office/drawing/2014/main" id="{3FBCADA3-B0FF-FB4A-AE2B-06CE1F5F13E3}"/>
               </a:ext>
             </a:extLst>
           </p:cNvPr>
@@ -4968,7 +5174,7 @@
           <a:p>
             <a:r>
               <a:rPr lang="en-US" dirty="0"/>
-              <a:t>Contributions</a:t>
+              <a:t>Differences and Improvements</a:t>
             </a:r>
           </a:p>
         </p:txBody>
@@ -4976,7 +5182,7 @@
     </p:spTree>
     <p:extLst>
       <p:ext uri="{BB962C8B-B14F-4D97-AF65-F5344CB8AC3E}">
-        <p14:creationId xmlns:p14="http://schemas.microsoft.com/office/powerpoint/2010/main" val="2682010655"/>
+        <p14:creationId xmlns:p14="http://schemas.microsoft.com/office/powerpoint/2010/main" val="4081342684"/>
       </p:ext>
     </p:extLst>
   </p:cSld>
@@ -5008,6 +5214,176 @@
           <p:cNvPr id="2" name="Content Placeholder 1">
             <a:extLst>
               <a:ext uri="{FF2B5EF4-FFF2-40B4-BE49-F238E27FC236}">
+                <a16:creationId xmlns:a16="http://schemas.microsoft.com/office/drawing/2014/main" id="{3E75831E-1C6B-3542-A8E6-38E9FF024F86}"/>
+              </a:ext>
+            </a:extLst>
+          </p:cNvPr>
+          <p:cNvSpPr>
+            <a:spLocks noGrp="1"/>
+          </p:cNvSpPr>
+          <p:nvPr>
+            <p:ph idx="1"/>
+          </p:nvPr>
+        </p:nvSpPr>
+        <p:spPr/>
+        <p:txBody>
+          <a:bodyPr/>
+          <a:lstStyle/>
+          <a:p>
+            <a:endParaRPr lang="en-US" sz="2400" dirty="0"/>
+          </a:p>
+        </p:txBody>
+      </p:sp>
+      <p:sp>
+        <p:nvSpPr>
+          <p:cNvPr id="3" name="Title 2">
+            <a:extLst>
+              <a:ext uri="{FF2B5EF4-FFF2-40B4-BE49-F238E27FC236}">
+                <a16:creationId xmlns:a16="http://schemas.microsoft.com/office/drawing/2014/main" id="{A292247C-C23C-464A-91BD-372A608AE8EF}"/>
+              </a:ext>
+            </a:extLst>
+          </p:cNvPr>
+          <p:cNvSpPr>
+            <a:spLocks noGrp="1"/>
+          </p:cNvSpPr>
+          <p:nvPr>
+            <p:ph type="ctrTitle"/>
+          </p:nvPr>
+        </p:nvSpPr>
+        <p:spPr/>
+        <p:txBody>
+          <a:bodyPr/>
+          <a:lstStyle/>
+          <a:p>
+            <a:r>
+              <a:rPr lang="en-US" dirty="0"/>
+              <a:t>Challenges</a:t>
+            </a:r>
+          </a:p>
+        </p:txBody>
+      </p:sp>
+    </p:spTree>
+    <p:extLst>
+      <p:ext uri="{BB962C8B-B14F-4D97-AF65-F5344CB8AC3E}">
+        <p14:creationId xmlns:p14="http://schemas.microsoft.com/office/powerpoint/2010/main" val="577296728"/>
+      </p:ext>
+    </p:extLst>
+  </p:cSld>
+  <p:clrMapOvr>
+    <a:masterClrMapping/>
+  </p:clrMapOvr>
+</p:sld>
+</file>
+
+<file path=ppt/slides/slide14.xml><?xml version="1.0" encoding="utf-8"?>
+<p:sld xmlns:a="http://schemas.openxmlformats.org/drawingml/2006/main" xmlns:r="http://schemas.openxmlformats.org/officeDocument/2006/relationships" xmlns:p="http://schemas.openxmlformats.org/presentationml/2006/main">
+  <p:cSld>
+    <p:spTree>
+      <p:nvGrpSpPr>
+        <p:cNvPr id="1" name=""/>
+        <p:cNvGrpSpPr/>
+        <p:nvPr/>
+      </p:nvGrpSpPr>
+      <p:grpSpPr>
+        <a:xfrm>
+          <a:off x="0" y="0"/>
+          <a:ext cx="0" cy="0"/>
+          <a:chOff x="0" y="0"/>
+          <a:chExt cx="0" cy="0"/>
+        </a:xfrm>
+      </p:grpSpPr>
+      <p:sp>
+        <p:nvSpPr>
+          <p:cNvPr id="2" name="Content Placeholder 1">
+            <a:extLst>
+              <a:ext uri="{FF2B5EF4-FFF2-40B4-BE49-F238E27FC236}">
+                <a16:creationId xmlns:a16="http://schemas.microsoft.com/office/drawing/2014/main" id="{74E56B35-0E75-194D-BF65-A1437CE1017B}"/>
+              </a:ext>
+            </a:extLst>
+          </p:cNvPr>
+          <p:cNvSpPr>
+            <a:spLocks noGrp="1"/>
+          </p:cNvSpPr>
+          <p:nvPr>
+            <p:ph idx="1"/>
+          </p:nvPr>
+        </p:nvSpPr>
+        <p:spPr/>
+        <p:txBody>
+          <a:bodyPr/>
+          <a:lstStyle/>
+          <a:p>
+            <a:r>
+              <a:rPr lang="en-US" sz="2400" dirty="0" err="1"/>
+              <a:t>asdf</a:t>
+            </a:r>
+            <a:endParaRPr lang="en-US" sz="2400" dirty="0"/>
+          </a:p>
+        </p:txBody>
+      </p:sp>
+      <p:sp>
+        <p:nvSpPr>
+          <p:cNvPr id="3" name="Title 2">
+            <a:extLst>
+              <a:ext uri="{FF2B5EF4-FFF2-40B4-BE49-F238E27FC236}">
+                <a16:creationId xmlns:a16="http://schemas.microsoft.com/office/drawing/2014/main" id="{02F071BF-C260-494A-B76E-5BD9CB735BD7}"/>
+              </a:ext>
+            </a:extLst>
+          </p:cNvPr>
+          <p:cNvSpPr>
+            <a:spLocks noGrp="1"/>
+          </p:cNvSpPr>
+          <p:nvPr>
+            <p:ph type="ctrTitle"/>
+          </p:nvPr>
+        </p:nvSpPr>
+        <p:spPr/>
+        <p:txBody>
+          <a:bodyPr/>
+          <a:lstStyle/>
+          <a:p>
+            <a:r>
+              <a:rPr lang="en-US" dirty="0"/>
+              <a:t>Contributions</a:t>
+            </a:r>
+          </a:p>
+        </p:txBody>
+      </p:sp>
+    </p:spTree>
+    <p:extLst>
+      <p:ext uri="{BB962C8B-B14F-4D97-AF65-F5344CB8AC3E}">
+        <p14:creationId xmlns:p14="http://schemas.microsoft.com/office/powerpoint/2010/main" val="2682010655"/>
+      </p:ext>
+    </p:extLst>
+  </p:cSld>
+  <p:clrMapOvr>
+    <a:masterClrMapping/>
+  </p:clrMapOvr>
+</p:sld>
+</file>
+
+<file path=ppt/slides/slide15.xml><?xml version="1.0" encoding="utf-8"?>
+<p:sld xmlns:a="http://schemas.openxmlformats.org/drawingml/2006/main" xmlns:r="http://schemas.openxmlformats.org/officeDocument/2006/relationships" xmlns:p="http://schemas.openxmlformats.org/presentationml/2006/main">
+  <p:cSld>
+    <p:spTree>
+      <p:nvGrpSpPr>
+        <p:cNvPr id="1" name=""/>
+        <p:cNvGrpSpPr/>
+        <p:nvPr/>
+      </p:nvGrpSpPr>
+      <p:grpSpPr>
+        <a:xfrm>
+          <a:off x="0" y="0"/>
+          <a:ext cx="0" cy="0"/>
+          <a:chOff x="0" y="0"/>
+          <a:chExt cx="0" cy="0"/>
+        </a:xfrm>
+      </p:grpSpPr>
+      <p:sp>
+        <p:nvSpPr>
+          <p:cNvPr id="2" name="Content Placeholder 1">
+            <a:extLst>
+              <a:ext uri="{FF2B5EF4-FFF2-40B4-BE49-F238E27FC236}">
                 <a16:creationId xmlns:a16="http://schemas.microsoft.com/office/drawing/2014/main" id="{A61D128D-3AEC-E245-AB44-8B543DFE4736}"/>
               </a:ext>
             </a:extLst>
@@ -5069,7 +5445,7 @@
 </p:sld>
 </file>
 
-<file path=ppt/slides/slide14.xml><?xml version="1.0" encoding="utf-8"?>
+<file path=ppt/slides/slide16.xml><?xml version="1.0" encoding="utf-8"?>
 <p:sld xmlns:a="http://schemas.openxmlformats.org/drawingml/2006/main" xmlns:r="http://schemas.openxmlformats.org/officeDocument/2006/relationships" xmlns:p="http://schemas.openxmlformats.org/presentationml/2006/main">
   <p:cSld>
     <p:spTree>
@@ -5531,10 +5907,9 @@
           <a:lstStyle/>
           <a:p>
             <a:r>
-              <a:rPr lang="en-US" dirty="0" err="1"/>
-              <a:t>PointClouds</a:t>
-            </a:r>
-            <a:endParaRPr lang="en-US" dirty="0"/>
+              <a:rPr lang="en-US" dirty="0"/>
+              <a:t>Properties of Point Sets</a:t>
+            </a:r>
           </a:p>
         </p:txBody>
       </p:sp>
@@ -5566,35 +5941,33 @@
           <a:p>
             <a:r>
               <a:rPr lang="en-US" sz="2400" dirty="0"/>
-              <a:t>A collection of points in R^3: </a:t>
-            </a:r>
-          </a:p>
-          <a:p>
-            <a:pPr lvl="1"/>
-            <a:r>
-              <a:rPr lang="en-US" sz="2000" dirty="0"/>
-              <a:t>Invariant to permutations: requires certain </a:t>
-            </a:r>
-            <a:r>
-              <a:rPr lang="en-US" sz="2000" dirty="0" err="1"/>
-              <a:t>symmetrizations</a:t>
-            </a:r>
-            <a:r>
-              <a:rPr lang="en-US" sz="2000" dirty="0"/>
-              <a:t> in the network computation</a:t>
-            </a:r>
-          </a:p>
-          <a:p>
-            <a:pPr lvl="1"/>
-            <a:r>
-              <a:rPr lang="en-US" sz="2000" dirty="0"/>
-              <a:t>Invariances to rigid motions also need to be considered</a:t>
-            </a:r>
-          </a:p>
-          <a:p>
+              <a:t>Given a collection of points in </a:t>
+            </a:r>
+            <a:r>
+              <a:rPr lang="en-US" sz="2400" dirty="0" err="1"/>
+              <a:t>R^n</a:t>
+            </a:r>
             <a:r>
               <a:rPr lang="en-US" sz="2400" dirty="0"/>
-              <a:t>Simple and unified structures </a:t>
+              <a:t>: </a:t>
+            </a:r>
+          </a:p>
+          <a:p>
+            <a:r>
+              <a:rPr lang="en-US" sz="2400" dirty="0"/>
+              <a:t>Unordered: Set of points without specific order. Given N points the network needs to be invariant to N! permutations</a:t>
+            </a:r>
+          </a:p>
+          <a:p>
+            <a:r>
+              <a:rPr lang="en-US" sz="2400" dirty="0"/>
+              <a:t>Interaction among points: points are not isolated and neighboring points form a meaningful subset.</a:t>
+            </a:r>
+          </a:p>
+          <a:p>
+            <a:r>
+              <a:rPr lang="en-US" sz="2400" dirty="0"/>
+              <a:t>Invariance under transformation: rotating and translating all points together should not modify the global point cloud category nor the segmentation of points.</a:t>
             </a:r>
           </a:p>
         </p:txBody>
@@ -5768,15 +6141,7 @@
           <a:p>
             <a:r>
               <a:rPr lang="en-US" sz="2400" dirty="0"/>
-              <a:t>Outputs: class labels for entire input or per point </a:t>
-            </a:r>
-            <a:r>
-              <a:rPr lang="en-US" sz="2400" dirty="0" err="1"/>
-              <a:t>segement</a:t>
-            </a:r>
-            <a:r>
-              <a:rPr lang="en-US" sz="2400" dirty="0"/>
-              <a:t>/part label for each point</a:t>
+              <a:t>Outputs: class labels for entire input or per point segment/part label for each point</a:t>
             </a:r>
           </a:p>
         </p:txBody>
@@ -5977,7 +6342,7 @@
           <p:cNvPr id="2" name="Content Placeholder 1">
             <a:extLst>
               <a:ext uri="{FF2B5EF4-FFF2-40B4-BE49-F238E27FC236}">
-                <a16:creationId xmlns:a16="http://schemas.microsoft.com/office/drawing/2014/main" id="{65A8649D-E7F8-4547-A47A-A1ADE054A835}"/>
+                <a16:creationId xmlns:a16="http://schemas.microsoft.com/office/drawing/2014/main" id="{CF109349-8E05-9E46-9BD3-FCDC65353B38}"/>
               </a:ext>
             </a:extLst>
           </p:cNvPr>
@@ -5994,34 +6359,48 @@
           <a:lstStyle/>
           <a:p>
             <a:r>
+              <a:rPr lang="en-US" sz="2800" dirty="0"/>
+              <a:t>Symmetry Function for Unordered Input:</a:t>
+            </a:r>
+          </a:p>
+          <a:p>
+            <a:pPr lvl="1"/>
+            <a:r>
               <a:rPr lang="en-US" sz="2400" dirty="0"/>
-              <a:t>Network can approximate any set of function that is continuous</a:t>
-            </a:r>
-          </a:p>
-          <a:p>
+              <a:t>For invariance to input permutation</a:t>
+            </a:r>
+          </a:p>
+          <a:p>
+            <a:pPr lvl="1"/>
             <a:r>
               <a:rPr lang="en-US" sz="2400" dirty="0"/>
-              <a:t>Network learns to summarize an input point cloud by a sparse set of key points aka the skeleton of the object</a:t>
-            </a:r>
-          </a:p>
-          <a:p>
+              <a:t>Aggregate each input into a vector that is invariant to input order by using + and * operators.</a:t>
+            </a:r>
+          </a:p>
+          <a:p>
+            <a:r>
+              <a:rPr lang="en-US" sz="2800" dirty="0"/>
+              <a:t>Local and Global Information Aggregation:</a:t>
+            </a:r>
+          </a:p>
+          <a:p>
+            <a:pPr lvl="1"/>
             <a:r>
               <a:rPr lang="en-US" sz="2400" dirty="0"/>
-              <a:t>Robust to small perturbation of input points as well as corruption to outliers and missing data</a:t>
-            </a:r>
-          </a:p>
-          <a:p>
+              <a:t>Used for segmentation</a:t>
+            </a:r>
+          </a:p>
+          <a:p>
+            <a:r>
+              <a:rPr lang="en-US" sz="2800" dirty="0"/>
+              <a:t>Joint Alignment Network:</a:t>
+            </a:r>
+          </a:p>
+          <a:p>
+            <a:pPr lvl="1"/>
             <a:r>
               <a:rPr lang="en-US" sz="2400" dirty="0"/>
-              <a:t>Fast training time due to </a:t>
-            </a:r>
-            <a:r>
-              <a:rPr lang="en-US" sz="2400"/>
-              <a:t>less voluminous </a:t>
-            </a:r>
-            <a:r>
-              <a:rPr lang="en-US" sz="2400" dirty="0"/>
-              <a:t>data compared to voxel grids or collection of views</a:t>
+              <a:t>Used for segmentation</a:t>
             </a:r>
           </a:p>
         </p:txBody>
@@ -6031,7 +6410,7 @@
           <p:cNvPr id="3" name="Title 2">
             <a:extLst>
               <a:ext uri="{FF2B5EF4-FFF2-40B4-BE49-F238E27FC236}">
-                <a16:creationId xmlns:a16="http://schemas.microsoft.com/office/drawing/2014/main" id="{B50C2044-F81A-5847-A601-568DC32826C0}"/>
+                <a16:creationId xmlns:a16="http://schemas.microsoft.com/office/drawing/2014/main" id="{3A888197-5490-FF4F-957B-D2F2697C28AB}"/>
               </a:ext>
             </a:extLst>
           </p:cNvPr>
@@ -6049,7 +6428,7 @@
           <a:p>
             <a:r>
               <a:rPr lang="en-US" dirty="0"/>
-              <a:t>Benefits</a:t>
+              <a:t>Implementation: Overview</a:t>
             </a:r>
           </a:p>
         </p:txBody>
@@ -6057,7 +6436,7 @@
     </p:spTree>
     <p:extLst>
       <p:ext uri="{BB962C8B-B14F-4D97-AF65-F5344CB8AC3E}">
-        <p14:creationId xmlns:p14="http://schemas.microsoft.com/office/powerpoint/2010/main" val="2685683328"/>
+        <p14:creationId xmlns:p14="http://schemas.microsoft.com/office/powerpoint/2010/main" val="3935471687"/>
       </p:ext>
     </p:extLst>
   </p:cSld>
@@ -6089,7 +6468,7 @@
           <p:cNvPr id="2" name="Content Placeholder 1">
             <a:extLst>
               <a:ext uri="{FF2B5EF4-FFF2-40B4-BE49-F238E27FC236}">
-                <a16:creationId xmlns:a16="http://schemas.microsoft.com/office/drawing/2014/main" id="{3E75831E-1C6B-3542-A8E6-38E9FF024F86}"/>
+                <a16:creationId xmlns:a16="http://schemas.microsoft.com/office/drawing/2014/main" id="{65A8649D-E7F8-4547-A47A-A1ADE054A835}"/>
               </a:ext>
             </a:extLst>
           </p:cNvPr>
@@ -6105,7 +6484,28 @@
           <a:bodyPr/>
           <a:lstStyle/>
           <a:p>
-            <a:endParaRPr lang="en-US" sz="2400" dirty="0"/>
+            <a:r>
+              <a:rPr lang="en-US" sz="2400" dirty="0"/>
+              <a:t>Network can approximate any set of function that is continuous</a:t>
+            </a:r>
+          </a:p>
+          <a:p>
+            <a:r>
+              <a:rPr lang="en-US" sz="2400" dirty="0"/>
+              <a:t>Network learns to summarize an input point cloud by a sparse set of key points aka the skeleton of the object</a:t>
+            </a:r>
+          </a:p>
+          <a:p>
+            <a:r>
+              <a:rPr lang="en-US" sz="2400" dirty="0"/>
+              <a:t>Robust to small perturbation of input points as well as corruption to outliers and missing data</a:t>
+            </a:r>
+          </a:p>
+          <a:p>
+            <a:r>
+              <a:rPr lang="en-US" sz="2400" dirty="0"/>
+              <a:t>Fast training time due to less voluminous data compared to voxel grids or collection of views</a:t>
+            </a:r>
           </a:p>
         </p:txBody>
       </p:sp>
@@ -6114,7 +6514,7 @@
           <p:cNvPr id="3" name="Title 2">
             <a:extLst>
               <a:ext uri="{FF2B5EF4-FFF2-40B4-BE49-F238E27FC236}">
-                <a16:creationId xmlns:a16="http://schemas.microsoft.com/office/drawing/2014/main" id="{A292247C-C23C-464A-91BD-372A608AE8EF}"/>
+                <a16:creationId xmlns:a16="http://schemas.microsoft.com/office/drawing/2014/main" id="{B50C2044-F81A-5847-A601-568DC32826C0}"/>
               </a:ext>
             </a:extLst>
           </p:cNvPr>
@@ -6132,7 +6532,7 @@
           <a:p>
             <a:r>
               <a:rPr lang="en-US" dirty="0"/>
-              <a:t>Challenges</a:t>
+              <a:t>Benefits</a:t>
             </a:r>
           </a:p>
         </p:txBody>
@@ -6140,7 +6540,7 @@
     </p:spTree>
     <p:extLst>
       <p:ext uri="{BB962C8B-B14F-4D97-AF65-F5344CB8AC3E}">
-        <p14:creationId xmlns:p14="http://schemas.microsoft.com/office/powerpoint/2010/main" val="577296728"/>
+        <p14:creationId xmlns:p14="http://schemas.microsoft.com/office/powerpoint/2010/main" val="2685683328"/>
       </p:ext>
     </p:extLst>
   </p:cSld>
